--- a/Cases v128/Notes/IntroductiontoHANADevelopment.pptx
+++ b/Cases v128/Notes/IntroductiontoHANADevelopment.pptx
@@ -5,31 +5,32 @@
     <p:sldMasterId id="2147483660" r:id="rId1"/>
   </p:sldMasterIdLst>
   <p:notesMasterIdLst>
-    <p:notesMasterId r:id="rId21"/>
+    <p:notesMasterId r:id="rId22"/>
   </p:notesMasterIdLst>
   <p:handoutMasterIdLst>
-    <p:handoutMasterId r:id="rId22"/>
+    <p:handoutMasterId r:id="rId23"/>
   </p:handoutMasterIdLst>
   <p:sldIdLst>
     <p:sldId id="353" r:id="rId2"/>
     <p:sldId id="552" r:id="rId3"/>
-    <p:sldId id="558" r:id="rId4"/>
-    <p:sldId id="555" r:id="rId5"/>
-    <p:sldId id="556" r:id="rId6"/>
-    <p:sldId id="557" r:id="rId7"/>
-    <p:sldId id="570" r:id="rId8"/>
-    <p:sldId id="568" r:id="rId9"/>
-    <p:sldId id="569" r:id="rId10"/>
-    <p:sldId id="559" r:id="rId11"/>
-    <p:sldId id="562" r:id="rId12"/>
-    <p:sldId id="561" r:id="rId13"/>
-    <p:sldId id="560" r:id="rId14"/>
-    <p:sldId id="563" r:id="rId15"/>
-    <p:sldId id="564" r:id="rId16"/>
-    <p:sldId id="565" r:id="rId17"/>
-    <p:sldId id="396" r:id="rId18"/>
-    <p:sldId id="548" r:id="rId19"/>
-    <p:sldId id="265" r:id="rId20"/>
+    <p:sldId id="571" r:id="rId4"/>
+    <p:sldId id="558" r:id="rId5"/>
+    <p:sldId id="555" r:id="rId6"/>
+    <p:sldId id="556" r:id="rId7"/>
+    <p:sldId id="557" r:id="rId8"/>
+    <p:sldId id="570" r:id="rId9"/>
+    <p:sldId id="568" r:id="rId10"/>
+    <p:sldId id="569" r:id="rId11"/>
+    <p:sldId id="559" r:id="rId12"/>
+    <p:sldId id="562" r:id="rId13"/>
+    <p:sldId id="561" r:id="rId14"/>
+    <p:sldId id="560" r:id="rId15"/>
+    <p:sldId id="563" r:id="rId16"/>
+    <p:sldId id="564" r:id="rId17"/>
+    <p:sldId id="565" r:id="rId18"/>
+    <p:sldId id="396" r:id="rId19"/>
+    <p:sldId id="548" r:id="rId20"/>
+    <p:sldId id="265" r:id="rId21"/>
   </p:sldIdLst>
   <p:sldSz cx="12195175" cy="6859588"/>
   <p:notesSz cx="6797675" cy="9874250"/>
@@ -242,6 +243,10 @@
 </p:cmAuthorLst>
 </file>
 
+<file path=ppt/revisionInfo.xml><?xml version="1.0" encoding="utf-8"?>
+<p1510:revInfo xmlns:a="http://schemas.openxmlformats.org/drawingml/2006/main" xmlns:r="http://schemas.openxmlformats.org/officeDocument/2006/relationships" xmlns:p1510="http://schemas.microsoft.com/office/powerpoint/2015/10/main"/>
+</file>
+
 <file path=ppt/handoutMasters/handoutMaster1.xml><?xml version="1.0" encoding="utf-8"?>
 <p:handoutMaster xmlns:a="http://schemas.openxmlformats.org/drawingml/2006/main" xmlns:r="http://schemas.openxmlformats.org/officeDocument/2006/relationships" xmlns:p="http://schemas.openxmlformats.org/presentationml/2006/main">
   <p:cSld>
@@ -697,7 +702,7 @@
             <a:fld id="{7D8C2C35-2B8A-446E-BEC0-FD36716C29AC}" type="slidenum">
               <a:rPr lang="en-US" smtClean="0"/>
               <a:pPr/>
-              <a:t>19</a:t>
+              <a:t>20</a:t>
             </a:fld>
             <a:endParaRPr lang="en-US" dirty="0"/>
           </a:p>
@@ -6862,6 +6867,36 @@
     <p:extLst>
       <p:ext uri="{BB962C8B-B14F-4D97-AF65-F5344CB8AC3E}">
         <p14:creationId xmlns:p14="http://schemas.microsoft.com/office/powerpoint/2010/main" val="2649302742"/>
+      </p:ext>
+    </p:extLst>
+  </p:cSld>
+  <p:clrMapOvr>
+    <a:masterClrMapping/>
+  </p:clrMapOvr>
+</p:sldLayout>
+</file>
+
+<file path=ppt/slideLayouts/slideLayout23.xml><?xml version="1.0" encoding="utf-8"?>
+<p:sldLayout xmlns:a="http://schemas.openxmlformats.org/drawingml/2006/main" xmlns:r="http://schemas.openxmlformats.org/officeDocument/2006/relationships" xmlns:p="http://schemas.openxmlformats.org/presentationml/2006/main" showMasterSp="0">
+  <p:cSld name="Screenshot">
+    <p:spTree>
+      <p:nvGrpSpPr>
+        <p:cNvPr id="1" name=""/>
+        <p:cNvGrpSpPr/>
+        <p:nvPr/>
+      </p:nvGrpSpPr>
+      <p:grpSpPr>
+        <a:xfrm>
+          <a:off x="0" y="0"/>
+          <a:ext cx="0" cy="0"/>
+          <a:chOff x="0" y="0"/>
+          <a:chExt cx="0" cy="0"/>
+        </a:xfrm>
+      </p:grpSpPr>
+    </p:spTree>
+    <p:extLst>
+      <p:ext uri="{BB962C8B-B14F-4D97-AF65-F5344CB8AC3E}">
+        <p14:creationId xmlns:p14="http://schemas.microsoft.com/office/powerpoint/2010/main" val="1128144224"/>
       </p:ext>
     </p:extLst>
   </p:cSld>
@@ -9218,6 +9253,7 @@
     <p:sldLayoutId id="2147483674" r:id="rId20"/>
     <p:sldLayoutId id="2147483705" r:id="rId21"/>
     <p:sldLayoutId id="2147483729" r:id="rId22"/>
+    <p:sldLayoutId id="2147483730" r:id="rId23"/>
   </p:sldLayoutIdLst>
   <p:hf hdr="0" ftr="0" dt="0"/>
   <p:txStyles>
@@ -9833,7 +9869,7 @@
                 </a:solidFill>
                 <a:latin typeface="BentonSans Book" panose="02000503000000020004" pitchFamily="2" charset="0"/>
               </a:rPr>
-              <a:t>July 21, 2016</a:t>
+              <a:t>January 8, 2018</a:t>
             </a:fld>
             <a:endParaRPr lang="en-US" sz="1200" dirty="0">
               <a:solidFill>
@@ -10011,6 +10047,82 @@
       </p:grpSpPr>
       <p:sp>
         <p:nvSpPr>
+          <p:cNvPr id="2" name="Title 1"/>
+          <p:cNvSpPr>
+            <a:spLocks noGrp="1"/>
+          </p:cNvSpPr>
+          <p:nvPr>
+            <p:ph type="title"/>
+          </p:nvPr>
+        </p:nvSpPr>
+        <p:spPr/>
+        <p:txBody>
+          <a:bodyPr/>
+          <a:lstStyle/>
+          <a:p>
+            <a:r>
+              <a:rPr lang="en-US" dirty="0"/>
+              <a:t>Native Application Tiers</a:t>
+            </a:r>
+          </a:p>
+        </p:txBody>
+      </p:sp>
+      <p:pic>
+        <p:nvPicPr>
+          <p:cNvPr id="3" name="Picture 2"/>
+          <p:cNvPicPr>
+            <a:picLocks noChangeAspect="1"/>
+          </p:cNvPicPr>
+          <p:nvPr/>
+        </p:nvPicPr>
+        <p:blipFill>
+          <a:blip r:embed="rId2"/>
+          <a:stretch>
+            <a:fillRect/>
+          </a:stretch>
+        </p:blipFill>
+        <p:spPr>
+          <a:xfrm>
+            <a:off x="2562692" y="1509386"/>
+            <a:ext cx="6800850" cy="4486275"/>
+          </a:xfrm>
+          <a:prstGeom prst="rect">
+            <a:avLst/>
+          </a:prstGeom>
+        </p:spPr>
+      </p:pic>
+    </p:spTree>
+    <p:extLst>
+      <p:ext uri="{BB962C8B-B14F-4D97-AF65-F5344CB8AC3E}">
+        <p14:creationId xmlns:p14="http://schemas.microsoft.com/office/powerpoint/2010/main" val="2203249079"/>
+      </p:ext>
+    </p:extLst>
+  </p:cSld>
+  <p:clrMapOvr>
+    <a:masterClrMapping/>
+  </p:clrMapOvr>
+</p:sld>
+</file>
+
+<file path=ppt/slides/slide11.xml><?xml version="1.0" encoding="utf-8"?>
+<p:sld xmlns:a="http://schemas.openxmlformats.org/drawingml/2006/main" xmlns:r="http://schemas.openxmlformats.org/officeDocument/2006/relationships" xmlns:p="http://schemas.openxmlformats.org/presentationml/2006/main">
+  <p:cSld>
+    <p:spTree>
+      <p:nvGrpSpPr>
+        <p:cNvPr id="1" name=""/>
+        <p:cNvGrpSpPr/>
+        <p:nvPr/>
+      </p:nvGrpSpPr>
+      <p:grpSpPr>
+        <a:xfrm>
+          <a:off x="0" y="0"/>
+          <a:ext cx="0" cy="0"/>
+          <a:chOff x="0" y="0"/>
+          <a:chExt cx="0" cy="0"/>
+        </a:xfrm>
+      </p:grpSpPr>
+      <p:sp>
+        <p:nvSpPr>
           <p:cNvPr id="3" name="Title 2"/>
           <p:cNvSpPr>
             <a:spLocks noGrp="1"/>
@@ -10063,7 +10175,7 @@
 </p:sld>
 </file>
 
-<file path=ppt/slides/slide11.xml><?xml version="1.0" encoding="utf-8"?>
+<file path=ppt/slides/slide12.xml><?xml version="1.0" encoding="utf-8"?>
 <p:sld xmlns:a="http://schemas.openxmlformats.org/drawingml/2006/main" xmlns:r="http://schemas.openxmlformats.org/officeDocument/2006/relationships" xmlns:p="http://schemas.openxmlformats.org/presentationml/2006/main">
   <p:cSld>
     <p:spTree>
@@ -10195,7 +10307,7 @@
 </p:sld>
 </file>
 
-<file path=ppt/slides/slide12.xml><?xml version="1.0" encoding="utf-8"?>
+<file path=ppt/slides/slide13.xml><?xml version="1.0" encoding="utf-8"?>
 <p:sld xmlns:a="http://schemas.openxmlformats.org/drawingml/2006/main" xmlns:r="http://schemas.openxmlformats.org/officeDocument/2006/relationships" xmlns:p="http://schemas.openxmlformats.org/presentationml/2006/main">
   <p:cSld>
     <p:spTree>
@@ -10472,7 +10584,7 @@
 </p:sld>
 </file>
 
-<file path=ppt/slides/slide13.xml><?xml version="1.0" encoding="utf-8"?>
+<file path=ppt/slides/slide14.xml><?xml version="1.0" encoding="utf-8"?>
 <p:sld xmlns:a="http://schemas.openxmlformats.org/drawingml/2006/main" xmlns:r="http://schemas.openxmlformats.org/officeDocument/2006/relationships" xmlns:p="http://schemas.openxmlformats.org/presentationml/2006/main">
   <p:cSld>
     <p:spTree>
@@ -11894,7 +12006,7 @@
 </p:sld>
 </file>
 
-<file path=ppt/slides/slide14.xml><?xml version="1.0" encoding="utf-8"?>
+<file path=ppt/slides/slide15.xml><?xml version="1.0" encoding="utf-8"?>
 <p:sld xmlns:a="http://schemas.openxmlformats.org/drawingml/2006/main" xmlns:r="http://schemas.openxmlformats.org/officeDocument/2006/relationships" xmlns:p="http://schemas.openxmlformats.org/presentationml/2006/main">
   <p:cSld>
     <p:spTree>
@@ -12157,7 +12269,7 @@
 </p:sld>
 </file>
 
-<file path=ppt/slides/slide15.xml><?xml version="1.0" encoding="utf-8"?>
+<file path=ppt/slides/slide16.xml><?xml version="1.0" encoding="utf-8"?>
 <p:sld xmlns:a="http://schemas.openxmlformats.org/drawingml/2006/main" xmlns:r="http://schemas.openxmlformats.org/officeDocument/2006/relationships" xmlns:p="http://schemas.openxmlformats.org/presentationml/2006/main">
   <p:cSld>
     <p:spTree>
@@ -12477,7 +12589,7 @@
 </p:sld>
 </file>
 
-<file path=ppt/slides/slide16.xml><?xml version="1.0" encoding="utf-8"?>
+<file path=ppt/slides/slide17.xml><?xml version="1.0" encoding="utf-8"?>
 <p:sld xmlns:a="http://schemas.openxmlformats.org/drawingml/2006/main" xmlns:r="http://schemas.openxmlformats.org/officeDocument/2006/relationships" xmlns:p="http://schemas.openxmlformats.org/presentationml/2006/main">
   <p:cSld>
     <p:spTree>
@@ -12598,7 +12710,7 @@
 </p:sld>
 </file>
 
-<file path=ppt/slides/slide17.xml><?xml version="1.0" encoding="utf-8"?>
+<file path=ppt/slides/slide18.xml><?xml version="1.0" encoding="utf-8"?>
 <p:sld xmlns:a="http://schemas.openxmlformats.org/drawingml/2006/main" xmlns:r="http://schemas.openxmlformats.org/officeDocument/2006/relationships" xmlns:p="http://schemas.openxmlformats.org/presentationml/2006/main">
   <p:cSld>
     <p:spTree>
@@ -13350,7 +13462,7 @@
 </p:sld>
 </file>
 
-<file path=ppt/slides/slide18.xml><?xml version="1.0" encoding="utf-8"?>
+<file path=ppt/slides/slide19.xml><?xml version="1.0" encoding="utf-8"?>
 <p:sld xmlns:a="http://schemas.openxmlformats.org/drawingml/2006/main" xmlns:r="http://schemas.openxmlformats.org/officeDocument/2006/relationships" xmlns:p="http://schemas.openxmlformats.org/presentationml/2006/main">
   <p:cSld>
     <p:spTree>
@@ -13481,32 +13593,6 @@
   <p:clrMapOvr>
     <a:masterClrMapping/>
   </p:clrMapOvr>
-</p:sld>
-</file>
-
-<file path=ppt/slides/slide19.xml><?xml version="1.0" encoding="utf-8"?>
-<p:sld xmlns:a="http://schemas.openxmlformats.org/drawingml/2006/main" xmlns:r="http://schemas.openxmlformats.org/officeDocument/2006/relationships" xmlns:p="http://schemas.openxmlformats.org/presentationml/2006/main" show="0">
-  <p:cSld>
-    <p:spTree>
-      <p:nvGrpSpPr>
-        <p:cNvPr id="1" name=""/>
-        <p:cNvGrpSpPr/>
-        <p:nvPr/>
-      </p:nvGrpSpPr>
-      <p:grpSpPr>
-        <a:xfrm>
-          <a:off x="0" y="0"/>
-          <a:ext cx="0" cy="0"/>
-          <a:chOff x="0" y="0"/>
-          <a:chExt cx="0" cy="0"/>
-        </a:xfrm>
-      </p:grpSpPr>
-    </p:spTree>
-  </p:cSld>
-  <p:clrMapOvr>
-    <a:masterClrMapping/>
-  </p:clrMapOvr>
-  <p:transition spd="med"/>
 </p:sld>
 </file>
 
@@ -13549,7 +13635,7 @@
                 </a:solidFill>
                 <a:latin typeface="BentonSans Bold" panose="02000803000000020004" pitchFamily="2" charset="0"/>
               </a:rPr>
-              <a:t>Introduction to HANA</a:t>
+              <a:t>Introduction to HANA Development</a:t>
             </a:r>
             <a:br>
               <a:rPr lang="en-US" sz="2000" dirty="0">
@@ -13619,7 +13705,87 @@
 </p:sld>
 </file>
 
+<file path=ppt/slides/slide20.xml><?xml version="1.0" encoding="utf-8"?>
+<p:sld xmlns:a="http://schemas.openxmlformats.org/drawingml/2006/main" xmlns:r="http://schemas.openxmlformats.org/officeDocument/2006/relationships" xmlns:p="http://schemas.openxmlformats.org/presentationml/2006/main" show="0">
+  <p:cSld>
+    <p:spTree>
+      <p:nvGrpSpPr>
+        <p:cNvPr id="1" name=""/>
+        <p:cNvGrpSpPr/>
+        <p:nvPr/>
+      </p:nvGrpSpPr>
+      <p:grpSpPr>
+        <a:xfrm>
+          <a:off x="0" y="0"/>
+          <a:ext cx="0" cy="0"/>
+          <a:chOff x="0" y="0"/>
+          <a:chExt cx="0" cy="0"/>
+        </a:xfrm>
+      </p:grpSpPr>
+    </p:spTree>
+  </p:cSld>
+  <p:clrMapOvr>
+    <a:masterClrMapping/>
+  </p:clrMapOvr>
+  <p:transition spd="med"/>
+</p:sld>
+</file>
+
 <file path=ppt/slides/slide3.xml><?xml version="1.0" encoding="utf-8"?>
+<p:sld xmlns:a="http://schemas.openxmlformats.org/drawingml/2006/main" xmlns:r="http://schemas.openxmlformats.org/officeDocument/2006/relationships" xmlns:p="http://schemas.openxmlformats.org/presentationml/2006/main">
+  <p:cSld>
+    <p:spTree>
+      <p:nvGrpSpPr>
+        <p:cNvPr id="1" name=""/>
+        <p:cNvGrpSpPr/>
+        <p:nvPr/>
+      </p:nvGrpSpPr>
+      <p:grpSpPr>
+        <a:xfrm>
+          <a:off x="0" y="0"/>
+          <a:ext cx="0" cy="0"/>
+          <a:chOff x="0" y="0"/>
+          <a:chExt cx="0" cy="0"/>
+        </a:xfrm>
+      </p:grpSpPr>
+      <p:pic>
+        <p:nvPicPr>
+          <p:cNvPr id="3" name="Picture 2"/>
+          <p:cNvPicPr>
+            <a:picLocks noChangeAspect="1"/>
+          </p:cNvPicPr>
+          <p:nvPr/>
+        </p:nvPicPr>
+        <p:blipFill>
+          <a:blip r:embed="rId2"/>
+          <a:stretch>
+            <a:fillRect/>
+          </a:stretch>
+        </p:blipFill>
+        <p:spPr>
+          <a:xfrm>
+            <a:off x="579112" y="936978"/>
+            <a:ext cx="10788864" cy="5105319"/>
+          </a:xfrm>
+          <a:prstGeom prst="rect">
+            <a:avLst/>
+          </a:prstGeom>
+        </p:spPr>
+      </p:pic>
+    </p:spTree>
+    <p:extLst>
+      <p:ext uri="{BB962C8B-B14F-4D97-AF65-F5344CB8AC3E}">
+        <p14:creationId xmlns:p14="http://schemas.microsoft.com/office/powerpoint/2010/main" val="3136768425"/>
+      </p:ext>
+    </p:extLst>
+  </p:cSld>
+  <p:clrMapOvr>
+    <a:masterClrMapping/>
+  </p:clrMapOvr>
+</p:sld>
+</file>
+
+<file path=ppt/slides/slide4.xml><?xml version="1.0" encoding="utf-8"?>
 <p:sld xmlns:a="http://schemas.openxmlformats.org/drawingml/2006/main" xmlns:r="http://schemas.openxmlformats.org/officeDocument/2006/relationships" xmlns:p="http://schemas.openxmlformats.org/presentationml/2006/main">
   <p:cSld>
     <p:spTree>
@@ -13690,7 +13856,7 @@
 </p:sld>
 </file>
 
-<file path=ppt/slides/slide4.xml><?xml version="1.0" encoding="utf-8"?>
+<file path=ppt/slides/slide5.xml><?xml version="1.0" encoding="utf-8"?>
 <p:sld xmlns:a="http://schemas.openxmlformats.org/drawingml/2006/main" xmlns:r="http://schemas.openxmlformats.org/officeDocument/2006/relationships" xmlns:p="http://schemas.openxmlformats.org/presentationml/2006/main">
   <p:cSld>
     <p:spTree>
@@ -15067,7 +15233,7 @@
 </p:sld>
 </file>
 
-<file path=ppt/slides/slide5.xml><?xml version="1.0" encoding="utf-8"?>
+<file path=ppt/slides/slide6.xml><?xml version="1.0" encoding="utf-8"?>
 <p:sld xmlns:a="http://schemas.openxmlformats.org/drawingml/2006/main" xmlns:r="http://schemas.openxmlformats.org/officeDocument/2006/relationships" xmlns:p="http://schemas.openxmlformats.org/presentationml/2006/main">
   <p:cSld>
     <p:spTree>
@@ -15253,7 +15419,7 @@
 </p:sld>
 </file>
 
-<file path=ppt/slides/slide6.xml><?xml version="1.0" encoding="utf-8"?>
+<file path=ppt/slides/slide7.xml><?xml version="1.0" encoding="utf-8"?>
 <p:sld xmlns:a="http://schemas.openxmlformats.org/drawingml/2006/main" xmlns:r="http://schemas.openxmlformats.org/officeDocument/2006/relationships" xmlns:p="http://schemas.openxmlformats.org/presentationml/2006/main">
   <p:cSld>
     <p:spTree>
@@ -15399,7 +15565,7 @@
 </p:sld>
 </file>
 
-<file path=ppt/slides/slide7.xml><?xml version="1.0" encoding="utf-8"?>
+<file path=ppt/slides/slide8.xml><?xml version="1.0" encoding="utf-8"?>
 <p:sld xmlns:a="http://schemas.openxmlformats.org/drawingml/2006/main" xmlns:r="http://schemas.openxmlformats.org/officeDocument/2006/relationships" xmlns:p="http://schemas.openxmlformats.org/presentationml/2006/main">
   <p:cSld>
     <p:spTree>
@@ -15558,7 +15724,7 @@
 </p:sld>
 </file>
 
-<file path=ppt/slides/slide8.xml><?xml version="1.0" encoding="utf-8"?>
+<file path=ppt/slides/slide9.xml><?xml version="1.0" encoding="utf-8"?>
 <p:sld xmlns:a="http://schemas.openxmlformats.org/drawingml/2006/main" xmlns:r="http://schemas.openxmlformats.org/officeDocument/2006/relationships" xmlns:p="http://schemas.openxmlformats.org/presentationml/2006/main">
   <p:cSld>
     <p:spTree>
@@ -15928,82 +16094,6 @@
     <p:extLst>
       <p:ext uri="{BB962C8B-B14F-4D97-AF65-F5344CB8AC3E}">
         <p14:creationId xmlns:p14="http://schemas.microsoft.com/office/powerpoint/2010/main" val="3753988748"/>
-      </p:ext>
-    </p:extLst>
-  </p:cSld>
-  <p:clrMapOvr>
-    <a:masterClrMapping/>
-  </p:clrMapOvr>
-</p:sld>
-</file>
-
-<file path=ppt/slides/slide9.xml><?xml version="1.0" encoding="utf-8"?>
-<p:sld xmlns:a="http://schemas.openxmlformats.org/drawingml/2006/main" xmlns:r="http://schemas.openxmlformats.org/officeDocument/2006/relationships" xmlns:p="http://schemas.openxmlformats.org/presentationml/2006/main">
-  <p:cSld>
-    <p:spTree>
-      <p:nvGrpSpPr>
-        <p:cNvPr id="1" name=""/>
-        <p:cNvGrpSpPr/>
-        <p:nvPr/>
-      </p:nvGrpSpPr>
-      <p:grpSpPr>
-        <a:xfrm>
-          <a:off x="0" y="0"/>
-          <a:ext cx="0" cy="0"/>
-          <a:chOff x="0" y="0"/>
-          <a:chExt cx="0" cy="0"/>
-        </a:xfrm>
-      </p:grpSpPr>
-      <p:sp>
-        <p:nvSpPr>
-          <p:cNvPr id="2" name="Title 1"/>
-          <p:cNvSpPr>
-            <a:spLocks noGrp="1"/>
-          </p:cNvSpPr>
-          <p:nvPr>
-            <p:ph type="title"/>
-          </p:nvPr>
-        </p:nvSpPr>
-        <p:spPr/>
-        <p:txBody>
-          <a:bodyPr/>
-          <a:lstStyle/>
-          <a:p>
-            <a:r>
-              <a:rPr lang="en-US" dirty="0"/>
-              <a:t>Native Application Tiers</a:t>
-            </a:r>
-          </a:p>
-        </p:txBody>
-      </p:sp>
-      <p:pic>
-        <p:nvPicPr>
-          <p:cNvPr id="3" name="Picture 2"/>
-          <p:cNvPicPr>
-            <a:picLocks noChangeAspect="1"/>
-          </p:cNvPicPr>
-          <p:nvPr/>
-        </p:nvPicPr>
-        <p:blipFill>
-          <a:blip r:embed="rId2"/>
-          <a:stretch>
-            <a:fillRect/>
-          </a:stretch>
-        </p:blipFill>
-        <p:spPr>
-          <a:xfrm>
-            <a:off x="2562692" y="1509386"/>
-            <a:ext cx="6800850" cy="4486275"/>
-          </a:xfrm>
-          <a:prstGeom prst="rect">
-            <a:avLst/>
-          </a:prstGeom>
-        </p:spPr>
-      </p:pic>
-    </p:spTree>
-    <p:extLst>
-      <p:ext uri="{BB962C8B-B14F-4D97-AF65-F5344CB8AC3E}">
-        <p14:creationId xmlns:p14="http://schemas.microsoft.com/office/powerpoint/2010/main" val="2203249079"/>
       </p:ext>
     </p:extLst>
   </p:cSld>
